--- a/Ontwikkeltraject/Fronter/EindOpdracht OP3v1.pptx
+++ b/Ontwikkeltraject/Fronter/EindOpdracht OP3v1.pptx
@@ -206,7 +206,7 @@
           <a:p>
             <a:fld id="{3181269B-4284-436A-96EE-91424C04A22F}" type="datetimeFigureOut">
               <a:rPr lang="nl-NL" smtClean="0"/>
-              <a:t>13-3-2018</a:t>
+              <a:t>15-3-2018</a:t>
             </a:fld>
             <a:endParaRPr lang="nl-NL"/>
           </a:p>
@@ -270,38 +270,37 @@
           <a:p>
             <a:pPr lvl="0"/>
             <a:r>
-              <a:rPr lang="nl-NL" smtClean="0"/>
+              <a:rPr lang="nl-NL"/>
               <a:t>Tekststijl van het model bewerken</a:t>
             </a:r>
           </a:p>
           <a:p>
             <a:pPr lvl="1"/>
             <a:r>
-              <a:rPr lang="nl-NL" smtClean="0"/>
+              <a:rPr lang="nl-NL"/>
               <a:t>Tweede niveau</a:t>
             </a:r>
           </a:p>
           <a:p>
             <a:pPr lvl="2"/>
             <a:r>
-              <a:rPr lang="nl-NL" smtClean="0"/>
+              <a:rPr lang="nl-NL"/>
               <a:t>Derde niveau</a:t>
             </a:r>
           </a:p>
           <a:p>
             <a:pPr lvl="3"/>
             <a:r>
-              <a:rPr lang="nl-NL" smtClean="0"/>
+              <a:rPr lang="nl-NL"/>
               <a:t>Vierde niveau</a:t>
             </a:r>
           </a:p>
           <a:p>
             <a:pPr lvl="4"/>
             <a:r>
-              <a:rPr lang="nl-NL" smtClean="0"/>
+              <a:rPr lang="nl-NL"/>
               <a:t>Vijfde niveau</a:t>
             </a:r>
-            <a:endParaRPr lang="nl-NL"/>
           </a:p>
         </p:txBody>
       </p:sp>
@@ -365,7 +364,7 @@
           <a:p>
             <a:fld id="{44C85718-D4F7-4194-A395-B340914947FA}" type="slidenum">
               <a:rPr lang="nl-NL" smtClean="0"/>
-              <a:t>‹nr.›</a:t>
+              <a:t>‹#›</a:t>
             </a:fld>
             <a:endParaRPr lang="nl-NL"/>
           </a:p>
@@ -519,11 +518,11 @@
           <a:lstStyle/>
           <a:p>
             <a:r>
-              <a:rPr lang="nl-NL" dirty="0" smtClean="0"/>
+              <a:rPr lang="nl-NL" dirty="0"/>
               <a:t>Verzamelplaats sterrenlaan</a:t>
             </a:r>
             <a:r>
-              <a:rPr lang="nl-NL" baseline="0" dirty="0" smtClean="0"/>
+              <a:rPr lang="nl-NL" baseline="0" dirty="0"/>
               <a:t> 8 zie je tijdens de rondleiding</a:t>
             </a:r>
             <a:endParaRPr lang="nl-NL" dirty="0"/>
@@ -611,31 +610,31 @@
           <a:lstStyle/>
           <a:p>
             <a:r>
-              <a:rPr lang="nl-NL" dirty="0" smtClean="0"/>
+              <a:rPr lang="nl-NL" dirty="0"/>
               <a:t>Speel</a:t>
             </a:r>
             <a:r>
-              <a:rPr lang="nl-NL" baseline="0" dirty="0" smtClean="0"/>
+              <a:rPr lang="nl-NL" baseline="0" dirty="0"/>
               <a:t> de studenten tegen elkaar uit met betrekking tot de verschillende antwoorden. Vraag veel naar het waarom bij de antwoorden.</a:t>
             </a:r>
           </a:p>
           <a:p>
             <a:r>
-              <a:rPr lang="nl-NL" baseline="0" dirty="0" smtClean="0"/>
+              <a:rPr lang="nl-NL" baseline="0" dirty="0"/>
               <a:t>Laat aan het einde duidelijk blijken dat eigenlijk alle antwoorden net zoveel fout als goed (kunnen) zijn.</a:t>
             </a:r>
           </a:p>
           <a:p>
             <a:r>
-              <a:rPr lang="nl-NL" baseline="0" dirty="0" smtClean="0"/>
+              <a:rPr lang="nl-NL" baseline="0" dirty="0"/>
               <a:t>Voor details zie lesbrief </a:t>
             </a:r>
             <a:r>
-              <a:rPr lang="nl-NL" baseline="0" dirty="0" err="1" smtClean="0"/>
+              <a:rPr lang="nl-NL" baseline="0" dirty="0" err="1"/>
               <a:t>Loba</a:t>
             </a:r>
             <a:r>
-              <a:rPr lang="nl-NL" baseline="0" smtClean="0"/>
+              <a:rPr lang="nl-NL" baseline="0"/>
               <a:t> OP1 WK1</a:t>
             </a:r>
             <a:endParaRPr lang="nl-NL" dirty="0"/>
@@ -1022,7 +1021,7 @@
           </a:lstStyle>
           <a:p>
             <a:r>
-              <a:rPr lang="nl-NL" smtClean="0"/>
+              <a:rPr lang="nl-NL"/>
               <a:t>Klik om de stijl te bewerken</a:t>
             </a:r>
             <a:endParaRPr lang="en-US" dirty="0"/>
@@ -1142,7 +1141,7 @@
           </a:lstStyle>
           <a:p>
             <a:r>
-              <a:rPr lang="nl-NL" smtClean="0"/>
+              <a:rPr lang="nl-NL"/>
               <a:t>Klik om de ondertitelstijl van het model te bewerken</a:t>
             </a:r>
             <a:endParaRPr lang="en-US" dirty="0"/>
@@ -1182,7 +1181,7 @@
             <a:fld id="{5923F103-BC34-4FE4-A40E-EDDEECFDA5D0}" type="datetimeFigureOut">
               <a:rPr lang="en-US" dirty="0"/>
               <a:pPr/>
-              <a:t>3/13/2018</a:t>
+              <a:t>15-Mar-18</a:t>
             </a:fld>
             <a:endParaRPr lang="en-US" dirty="0"/>
           </a:p>
@@ -1285,7 +1284,7 @@
             <a:fld id="{D57F1E4F-1CFF-5643-939E-217C01CDF565}" type="slidenum">
               <a:rPr lang="en-US" dirty="0"/>
               <a:pPr/>
-              <a:t>‹nr.›</a:t>
+              <a:t>‹#›</a:t>
             </a:fld>
             <a:endParaRPr lang="en-US" dirty="0"/>
           </a:p>
@@ -2093,7 +2092,7 @@
           </a:lstStyle>
           <a:p>
             <a:r>
-              <a:rPr lang="nl-NL" smtClean="0"/>
+              <a:rPr lang="nl-NL"/>
               <a:t>Klik om de stijl te bewerken</a:t>
             </a:r>
             <a:endParaRPr lang="en-US" dirty="0"/>
@@ -2172,7 +2171,7 @@
           </a:lstStyle>
           <a:p>
             <a:r>
-              <a:rPr lang="nl-NL" smtClean="0"/>
+              <a:rPr lang="nl-NL"/>
               <a:t>Klik op het pictogram als u een afbeelding wilt toevoegen</a:t>
             </a:r>
             <a:endParaRPr lang="en-US" dirty="0"/>
@@ -2247,7 +2246,7 @@
           <a:p>
             <a:pPr lvl="0"/>
             <a:r>
-              <a:rPr lang="nl-NL" smtClean="0"/>
+              <a:rPr lang="nl-NL"/>
               <a:t>Tekststijl van het model bewerken</a:t>
             </a:r>
           </a:p>
@@ -2270,7 +2269,7 @@
           <a:p>
             <a:fld id="{923A1CC3-2375-41D4-9E03-427CAF2A4C1A}" type="datetimeFigureOut">
               <a:rPr lang="en-US" dirty="0"/>
-              <a:t>3/13/2018</a:t>
+              <a:t>15-Mar-18</a:t>
             </a:fld>
             <a:endParaRPr lang="en-US" dirty="0"/>
           </a:p>
@@ -2353,7 +2352,7 @@
             <a:fld id="{D57F1E4F-1CFF-5643-939E-217C01CDF565}" type="slidenum">
               <a:rPr lang="en-US" dirty="0"/>
               <a:pPr/>
-              <a:t>‹nr.›</a:t>
+              <a:t>‹#›</a:t>
             </a:fld>
             <a:endParaRPr lang="en-US" dirty="0"/>
           </a:p>
@@ -3159,7 +3158,7 @@
           </a:lstStyle>
           <a:p>
             <a:r>
-              <a:rPr lang="nl-NL" smtClean="0"/>
+              <a:rPr lang="nl-NL"/>
               <a:t>Klik om de stijl te bewerken</a:t>
             </a:r>
             <a:endParaRPr lang="en-US" dirty="0"/>
@@ -3227,7 +3226,7 @@
           <a:p>
             <a:pPr lvl="0"/>
             <a:r>
-              <a:rPr lang="nl-NL" smtClean="0"/>
+              <a:rPr lang="nl-NL"/>
               <a:t>Tekststijl van het model bewerken</a:t>
             </a:r>
           </a:p>
@@ -3250,7 +3249,7 @@
           <a:p>
             <a:fld id="{AFF16868-8199-4C2C-A5B1-63AEE139F88E}" type="datetimeFigureOut">
               <a:rPr lang="en-US" dirty="0"/>
-              <a:t>3/13/2018</a:t>
+              <a:t>15-Mar-18</a:t>
             </a:fld>
             <a:endParaRPr lang="en-US" dirty="0"/>
           </a:p>
@@ -3333,7 +3332,7 @@
             <a:fld id="{D57F1E4F-1CFF-5643-939E-217C01CDF565}" type="slidenum">
               <a:rPr lang="en-US" dirty="0"/>
               <a:pPr/>
-              <a:t>‹nr.›</a:t>
+              <a:t>‹#›</a:t>
             </a:fld>
             <a:endParaRPr lang="en-US" dirty="0"/>
           </a:p>
@@ -4217,7 +4216,7 @@
           </a:lstStyle>
           <a:p>
             <a:r>
-              <a:rPr lang="nl-NL" smtClean="0"/>
+              <a:rPr lang="nl-NL"/>
               <a:t>Klik om de stijl te bewerken</a:t>
             </a:r>
             <a:endParaRPr lang="en-US" dirty="0"/>
@@ -4294,7 +4293,7 @@
           <a:p>
             <a:pPr lvl="0"/>
             <a:r>
-              <a:rPr lang="nl-NL" smtClean="0"/>
+              <a:rPr lang="nl-NL"/>
               <a:t>Tekststijl van het model bewerken</a:t>
             </a:r>
           </a:p>
@@ -4361,7 +4360,7 @@
           <a:p>
             <a:pPr lvl="0"/>
             <a:r>
-              <a:rPr lang="nl-NL" smtClean="0"/>
+              <a:rPr lang="nl-NL"/>
               <a:t>Tekststijl van het model bewerken</a:t>
             </a:r>
           </a:p>
@@ -4384,7 +4383,7 @@
           <a:p>
             <a:fld id="{AAD9FF7F-6988-44CC-821B-644E70CD2F73}" type="datetimeFigureOut">
               <a:rPr lang="en-US" dirty="0"/>
-              <a:t>3/13/2018</a:t>
+              <a:t>15-Mar-18</a:t>
             </a:fld>
             <a:endParaRPr lang="en-US" dirty="0"/>
           </a:p>
@@ -4467,7 +4466,7 @@
             <a:fld id="{D57F1E4F-1CFF-5643-939E-217C01CDF565}" type="slidenum">
               <a:rPr lang="en-US" dirty="0"/>
               <a:pPr/>
-              <a:t>‹nr.›</a:t>
+              <a:t>‹#›</a:t>
             </a:fld>
             <a:endParaRPr lang="en-US" dirty="0"/>
           </a:p>
@@ -5273,7 +5272,7 @@
           </a:lstStyle>
           <a:p>
             <a:r>
-              <a:rPr lang="nl-NL" smtClean="0"/>
+              <a:rPr lang="nl-NL"/>
               <a:t>Klik om de stijl te bewerken</a:t>
             </a:r>
             <a:endParaRPr lang="en-US" dirty="0"/>
@@ -5394,7 +5393,7 @@
           <a:p>
             <a:pPr lvl="0"/>
             <a:r>
-              <a:rPr lang="nl-NL" smtClean="0"/>
+              <a:rPr lang="nl-NL"/>
               <a:t>Tekststijl van het model bewerken</a:t>
             </a:r>
           </a:p>
@@ -5417,7 +5416,7 @@
           <a:p>
             <a:fld id="{5C12C299-16B2-4475-990D-751901EACC14}" type="datetimeFigureOut">
               <a:rPr lang="en-US" dirty="0"/>
-              <a:t>3/13/2018</a:t>
+              <a:t>15-Mar-18</a:t>
             </a:fld>
             <a:endParaRPr lang="en-US" dirty="0"/>
           </a:p>
@@ -5500,7 +5499,7 @@
             <a:fld id="{D57F1E4F-1CFF-5643-939E-217C01CDF565}" type="slidenum">
               <a:rPr lang="en-US" dirty="0"/>
               <a:pPr/>
-              <a:t>‹nr.›</a:t>
+              <a:t>‹#›</a:t>
             </a:fld>
             <a:endParaRPr lang="en-US" dirty="0"/>
           </a:p>
@@ -5556,7 +5555,7 @@
           </a:lstStyle>
           <a:p>
             <a:r>
-              <a:rPr lang="nl-NL" smtClean="0"/>
+              <a:rPr lang="nl-NL"/>
               <a:t>Klik om de stijl te bewerken</a:t>
             </a:r>
             <a:endParaRPr lang="en-US" dirty="0"/>
@@ -5631,7 +5630,7 @@
           <a:p>
             <a:pPr lvl="0"/>
             <a:r>
-              <a:rPr lang="nl-NL" smtClean="0"/>
+              <a:rPr lang="nl-NL"/>
               <a:t>Tekststijl van het model bewerken</a:t>
             </a:r>
           </a:p>
@@ -5698,7 +5697,7 @@
           <a:p>
             <a:pPr lvl="0"/>
             <a:r>
-              <a:rPr lang="nl-NL" smtClean="0"/>
+              <a:rPr lang="nl-NL"/>
               <a:t>Tekststijl van het model bewerken</a:t>
             </a:r>
           </a:p>
@@ -5772,7 +5771,7 @@
           <a:p>
             <a:pPr lvl="0"/>
             <a:r>
-              <a:rPr lang="nl-NL" smtClean="0"/>
+              <a:rPr lang="nl-NL"/>
               <a:t>Tekststijl van het model bewerken</a:t>
             </a:r>
           </a:p>
@@ -5839,7 +5838,7 @@
           <a:p>
             <a:pPr lvl="0"/>
             <a:r>
-              <a:rPr lang="nl-NL" smtClean="0"/>
+              <a:rPr lang="nl-NL"/>
               <a:t>Tekststijl van het model bewerken</a:t>
             </a:r>
           </a:p>
@@ -5913,7 +5912,7 @@
           <a:p>
             <a:pPr lvl="0"/>
             <a:r>
-              <a:rPr lang="nl-NL" smtClean="0"/>
+              <a:rPr lang="nl-NL"/>
               <a:t>Tekststijl van het model bewerken</a:t>
             </a:r>
           </a:p>
@@ -5980,7 +5979,7 @@
           <a:p>
             <a:pPr lvl="0"/>
             <a:r>
-              <a:rPr lang="nl-NL" smtClean="0"/>
+              <a:rPr lang="nl-NL"/>
               <a:t>Tekststijl van het model bewerken</a:t>
             </a:r>
           </a:p>
@@ -6077,7 +6076,7 @@
           <a:p>
             <a:fld id="{9FE86839-B9D8-4651-8783-F325ECE74E65}" type="datetimeFigureOut">
               <a:rPr lang="en-US" dirty="0"/>
-              <a:t>3/13/2018</a:t>
+              <a:t>15-Mar-18</a:t>
             </a:fld>
             <a:endParaRPr lang="en-US" dirty="0"/>
           </a:p>
@@ -6124,7 +6123,7 @@
             <a:fld id="{D57F1E4F-1CFF-5643-939E-217C01CDF565}" type="slidenum">
               <a:rPr lang="en-US" dirty="0"/>
               <a:pPr/>
-              <a:t>‹nr.›</a:t>
+              <a:t>‹#›</a:t>
             </a:fld>
             <a:endParaRPr lang="en-US" dirty="0"/>
           </a:p>
@@ -6180,7 +6179,7 @@
           </a:lstStyle>
           <a:p>
             <a:r>
-              <a:rPr lang="nl-NL" smtClean="0"/>
+              <a:rPr lang="nl-NL"/>
               <a:t>Klik om de stijl te bewerken</a:t>
             </a:r>
             <a:endParaRPr lang="en-US" dirty="0"/>
@@ -6255,7 +6254,7 @@
           <a:p>
             <a:pPr lvl="0"/>
             <a:r>
-              <a:rPr lang="nl-NL" smtClean="0"/>
+              <a:rPr lang="nl-NL"/>
               <a:t>Tekststijl van het model bewerken</a:t>
             </a:r>
           </a:p>
@@ -6333,7 +6332,7 @@
           </a:lstStyle>
           <a:p>
             <a:r>
-              <a:rPr lang="nl-NL" smtClean="0"/>
+              <a:rPr lang="nl-NL"/>
               <a:t>Klik op het pictogram als u een afbeelding wilt toevoegen</a:t>
             </a:r>
             <a:endParaRPr lang="en-US" dirty="0"/>
@@ -6401,7 +6400,7 @@
           <a:p>
             <a:pPr lvl="0"/>
             <a:r>
-              <a:rPr lang="nl-NL" smtClean="0"/>
+              <a:rPr lang="nl-NL"/>
               <a:t>Tekststijl van het model bewerken</a:t>
             </a:r>
           </a:p>
@@ -6475,7 +6474,7 @@
           <a:p>
             <a:pPr lvl="0"/>
             <a:r>
-              <a:rPr lang="nl-NL" smtClean="0"/>
+              <a:rPr lang="nl-NL"/>
               <a:t>Tekststijl van het model bewerken</a:t>
             </a:r>
           </a:p>
@@ -6553,7 +6552,7 @@
           </a:lstStyle>
           <a:p>
             <a:r>
-              <a:rPr lang="nl-NL" smtClean="0"/>
+              <a:rPr lang="nl-NL"/>
               <a:t>Klik op het pictogram als u een afbeelding wilt toevoegen</a:t>
             </a:r>
             <a:endParaRPr lang="en-US" dirty="0"/>
@@ -6621,7 +6620,7 @@
           <a:p>
             <a:pPr lvl="0"/>
             <a:r>
-              <a:rPr lang="nl-NL" smtClean="0"/>
+              <a:rPr lang="nl-NL"/>
               <a:t>Tekststijl van het model bewerken</a:t>
             </a:r>
           </a:p>
@@ -6695,7 +6694,7 @@
           <a:p>
             <a:pPr lvl="0"/>
             <a:r>
-              <a:rPr lang="nl-NL" smtClean="0"/>
+              <a:rPr lang="nl-NL"/>
               <a:t>Tekststijl van het model bewerken</a:t>
             </a:r>
           </a:p>
@@ -6773,7 +6772,7 @@
           </a:lstStyle>
           <a:p>
             <a:r>
-              <a:rPr lang="nl-NL" smtClean="0"/>
+              <a:rPr lang="nl-NL"/>
               <a:t>Klik op het pictogram als u een afbeelding wilt toevoegen</a:t>
             </a:r>
             <a:endParaRPr lang="en-US" dirty="0"/>
@@ -6841,7 +6840,7 @@
           <a:p>
             <a:pPr lvl="0"/>
             <a:r>
-              <a:rPr lang="nl-NL" smtClean="0"/>
+              <a:rPr lang="nl-NL"/>
               <a:t>Tekststijl van het model bewerken</a:t>
             </a:r>
           </a:p>
@@ -6938,7 +6937,7 @@
           <a:p>
             <a:fld id="{FD484F64-32F6-45C5-931F-ADC1662401D0}" type="datetimeFigureOut">
               <a:rPr lang="en-US" dirty="0"/>
-              <a:t>3/13/2018</a:t>
+              <a:t>15-Mar-18</a:t>
             </a:fld>
             <a:endParaRPr lang="en-US" dirty="0"/>
           </a:p>
@@ -6990,7 +6989,7 @@
             <a:fld id="{D57F1E4F-1CFF-5643-939E-217C01CDF565}" type="slidenum">
               <a:rPr lang="en-US" dirty="0"/>
               <a:pPr/>
-              <a:t>‹nr.›</a:t>
+              <a:t>‹#›</a:t>
             </a:fld>
             <a:endParaRPr lang="en-US" dirty="0"/>
           </a:p>
@@ -7042,7 +7041,7 @@
           <a:lstStyle/>
           <a:p>
             <a:r>
-              <a:rPr lang="nl-NL" smtClean="0"/>
+              <a:rPr lang="nl-NL"/>
               <a:t>Klik om de stijl te bewerken</a:t>
             </a:r>
             <a:endParaRPr lang="en-US" dirty="0"/>
@@ -7071,35 +7070,35 @@
           <a:p>
             <a:pPr lvl="0"/>
             <a:r>
-              <a:rPr lang="nl-NL" smtClean="0"/>
+              <a:rPr lang="nl-NL"/>
               <a:t>Tekststijl van het model bewerken</a:t>
             </a:r>
           </a:p>
           <a:p>
             <a:pPr lvl="1"/>
             <a:r>
-              <a:rPr lang="nl-NL" smtClean="0"/>
+              <a:rPr lang="nl-NL"/>
               <a:t>Tweede niveau</a:t>
             </a:r>
           </a:p>
           <a:p>
             <a:pPr lvl="2"/>
             <a:r>
-              <a:rPr lang="nl-NL" smtClean="0"/>
+              <a:rPr lang="nl-NL"/>
               <a:t>Derde niveau</a:t>
             </a:r>
           </a:p>
           <a:p>
             <a:pPr lvl="3"/>
             <a:r>
-              <a:rPr lang="nl-NL" smtClean="0"/>
+              <a:rPr lang="nl-NL"/>
               <a:t>Vierde niveau</a:t>
             </a:r>
           </a:p>
           <a:p>
             <a:pPr lvl="4"/>
             <a:r>
-              <a:rPr lang="nl-NL" smtClean="0"/>
+              <a:rPr lang="nl-NL"/>
               <a:t>Vijfde niveau</a:t>
             </a:r>
             <a:endParaRPr lang="en-US" dirty="0"/>
@@ -7128,7 +7127,7 @@
           <a:p>
             <a:fld id="{53086D93-FCAC-47E0-A2EE-787E62CA814C}" type="datetimeFigureOut">
               <a:rPr lang="en-US" dirty="0"/>
-              <a:t>3/13/2018</a:t>
+              <a:t>15-Mar-18</a:t>
             </a:fld>
             <a:endParaRPr lang="en-US" dirty="0"/>
           </a:p>
@@ -7175,7 +7174,7 @@
             <a:fld id="{D57F1E4F-1CFF-5643-939E-217C01CDF565}" type="slidenum">
               <a:rPr lang="en-US" dirty="0"/>
               <a:pPr/>
-              <a:t>‹nr.›</a:t>
+              <a:t>‹#›</a:t>
             </a:fld>
             <a:endParaRPr lang="en-US" dirty="0"/>
           </a:p>
@@ -8014,7 +8013,7 @@
           <a:lstStyle/>
           <a:p>
             <a:r>
-              <a:rPr lang="nl-NL" smtClean="0"/>
+              <a:rPr lang="nl-NL"/>
               <a:t>Klik om de stijl te bewerken</a:t>
             </a:r>
             <a:endParaRPr lang="en-US" dirty="0"/>
@@ -8043,35 +8042,35 @@
           <a:p>
             <a:pPr lvl="0"/>
             <a:r>
-              <a:rPr lang="nl-NL" smtClean="0"/>
+              <a:rPr lang="nl-NL"/>
               <a:t>Tekststijl van het model bewerken</a:t>
             </a:r>
           </a:p>
           <a:p>
             <a:pPr lvl="1"/>
             <a:r>
-              <a:rPr lang="nl-NL" smtClean="0"/>
+              <a:rPr lang="nl-NL"/>
               <a:t>Tweede niveau</a:t>
             </a:r>
           </a:p>
           <a:p>
             <a:pPr lvl="2"/>
             <a:r>
-              <a:rPr lang="nl-NL" smtClean="0"/>
+              <a:rPr lang="nl-NL"/>
               <a:t>Derde niveau</a:t>
             </a:r>
           </a:p>
           <a:p>
             <a:pPr lvl="3"/>
             <a:r>
-              <a:rPr lang="nl-NL" smtClean="0"/>
+              <a:rPr lang="nl-NL"/>
               <a:t>Vierde niveau</a:t>
             </a:r>
           </a:p>
           <a:p>
             <a:pPr lvl="4"/>
             <a:r>
-              <a:rPr lang="nl-NL" smtClean="0"/>
+              <a:rPr lang="nl-NL"/>
               <a:t>Vijfde niveau</a:t>
             </a:r>
             <a:endParaRPr lang="en-US" dirty="0"/>
@@ -8100,7 +8099,7 @@
           <a:p>
             <a:fld id="{CDA879A6-0FD0-4734-A311-86BFCA472E6E}" type="datetimeFigureOut">
               <a:rPr lang="en-US" dirty="0"/>
-              <a:t>3/13/2018</a:t>
+              <a:t>15-Mar-18</a:t>
             </a:fld>
             <a:endParaRPr lang="en-US" dirty="0"/>
           </a:p>
@@ -8183,7 +8182,7 @@
             <a:fld id="{D57F1E4F-1CFF-5643-939E-217C01CDF565}" type="slidenum">
               <a:rPr lang="en-US" dirty="0"/>
               <a:pPr/>
-              <a:t>‹nr.›</a:t>
+              <a:t>‹#›</a:t>
             </a:fld>
             <a:endParaRPr lang="en-US" dirty="0"/>
           </a:p>
@@ -8230,7 +8229,7 @@
           <a:lstStyle/>
           <a:p>
             <a:r>
-              <a:rPr lang="nl-NL" smtClean="0"/>
+              <a:rPr lang="nl-NL"/>
               <a:t>Klik om de stijl te bewerken</a:t>
             </a:r>
             <a:endParaRPr lang="en-US" dirty="0"/>
@@ -8259,35 +8258,35 @@
           <a:p>
             <a:pPr lvl="0"/>
             <a:r>
-              <a:rPr lang="nl-NL" smtClean="0"/>
+              <a:rPr lang="nl-NL"/>
               <a:t>Tekststijl van het model bewerken</a:t>
             </a:r>
           </a:p>
           <a:p>
             <a:pPr lvl="1"/>
             <a:r>
-              <a:rPr lang="nl-NL" smtClean="0"/>
+              <a:rPr lang="nl-NL"/>
               <a:t>Tweede niveau</a:t>
             </a:r>
           </a:p>
           <a:p>
             <a:pPr lvl="2"/>
             <a:r>
-              <a:rPr lang="nl-NL" smtClean="0"/>
+              <a:rPr lang="nl-NL"/>
               <a:t>Derde niveau</a:t>
             </a:r>
           </a:p>
           <a:p>
             <a:pPr lvl="3"/>
             <a:r>
-              <a:rPr lang="nl-NL" smtClean="0"/>
+              <a:rPr lang="nl-NL"/>
               <a:t>Vierde niveau</a:t>
             </a:r>
           </a:p>
           <a:p>
             <a:pPr lvl="4"/>
             <a:r>
-              <a:rPr lang="nl-NL" smtClean="0"/>
+              <a:rPr lang="nl-NL"/>
               <a:t>Vijfde niveau</a:t>
             </a:r>
             <a:endParaRPr lang="en-US" dirty="0"/>
@@ -8311,7 +8310,7 @@
           <a:p>
             <a:fld id="{19C9CA7B-DFD4-44B5-8C60-D14B8CD1FB59}" type="datetimeFigureOut">
               <a:rPr lang="en-US" dirty="0"/>
-              <a:t>3/13/2018</a:t>
+              <a:t>15-Mar-18</a:t>
             </a:fld>
             <a:endParaRPr lang="en-US" dirty="0"/>
           </a:p>
@@ -8358,7 +8357,7 @@
             <a:fld id="{D57F1E4F-1CFF-5643-939E-217C01CDF565}" type="slidenum">
               <a:rPr lang="en-US" dirty="0"/>
               <a:pPr/>
-              <a:t>‹nr.›</a:t>
+              <a:t>‹#›</a:t>
             </a:fld>
             <a:endParaRPr lang="en-US" dirty="0"/>
           </a:p>
@@ -9201,7 +9200,7 @@
           </a:lstStyle>
           <a:p>
             <a:r>
-              <a:rPr lang="nl-NL" smtClean="0"/>
+              <a:rPr lang="nl-NL"/>
               <a:t>Klik om de stijl te bewerken</a:t>
             </a:r>
             <a:endParaRPr lang="en-US" dirty="0"/>
@@ -9322,7 +9321,7 @@
           <a:p>
             <a:pPr lvl="0"/>
             <a:r>
-              <a:rPr lang="nl-NL" smtClean="0"/>
+              <a:rPr lang="nl-NL"/>
               <a:t>Tekststijl van het model bewerken</a:t>
             </a:r>
           </a:p>
@@ -9345,7 +9344,7 @@
           <a:p>
             <a:fld id="{F34E6425-0181-43F2-84FC-787E803FD2F8}" type="datetimeFigureOut">
               <a:rPr lang="en-US" dirty="0"/>
-              <a:t>3/13/2018</a:t>
+              <a:t>15-Mar-18</a:t>
             </a:fld>
             <a:endParaRPr lang="en-US" dirty="0"/>
           </a:p>
@@ -9428,7 +9427,7 @@
             <a:fld id="{D57F1E4F-1CFF-5643-939E-217C01CDF565}" type="slidenum">
               <a:rPr lang="en-US" dirty="0"/>
               <a:pPr/>
-              <a:t>‹nr.›</a:t>
+              <a:t>‹#›</a:t>
             </a:fld>
             <a:endParaRPr lang="en-US" dirty="0"/>
           </a:p>
@@ -9475,7 +9474,7 @@
           <a:lstStyle/>
           <a:p>
             <a:r>
-              <a:rPr lang="nl-NL" smtClean="0"/>
+              <a:rPr lang="nl-NL"/>
               <a:t>Klik om de stijl te bewerken</a:t>
             </a:r>
             <a:endParaRPr lang="en-US" dirty="0"/>
@@ -9506,35 +9505,35 @@
           <a:p>
             <a:pPr lvl="0"/>
             <a:r>
-              <a:rPr lang="nl-NL" smtClean="0"/>
+              <a:rPr lang="nl-NL"/>
               <a:t>Tekststijl van het model bewerken</a:t>
             </a:r>
           </a:p>
           <a:p>
             <a:pPr lvl="1"/>
             <a:r>
-              <a:rPr lang="nl-NL" smtClean="0"/>
+              <a:rPr lang="nl-NL"/>
               <a:t>Tweede niveau</a:t>
             </a:r>
           </a:p>
           <a:p>
             <a:pPr lvl="2"/>
             <a:r>
-              <a:rPr lang="nl-NL" smtClean="0"/>
+              <a:rPr lang="nl-NL"/>
               <a:t>Derde niveau</a:t>
             </a:r>
           </a:p>
           <a:p>
             <a:pPr lvl="3"/>
             <a:r>
-              <a:rPr lang="nl-NL" smtClean="0"/>
+              <a:rPr lang="nl-NL"/>
               <a:t>Vierde niveau</a:t>
             </a:r>
           </a:p>
           <a:p>
             <a:pPr lvl="4"/>
             <a:r>
-              <a:rPr lang="nl-NL" smtClean="0"/>
+              <a:rPr lang="nl-NL"/>
               <a:t>Vijfde niveau</a:t>
             </a:r>
             <a:endParaRPr lang="en-US" dirty="0"/>
@@ -9565,35 +9564,35 @@
           <a:p>
             <a:pPr lvl="0"/>
             <a:r>
-              <a:rPr lang="nl-NL" smtClean="0"/>
+              <a:rPr lang="nl-NL"/>
               <a:t>Tekststijl van het model bewerken</a:t>
             </a:r>
           </a:p>
           <a:p>
             <a:pPr lvl="1"/>
             <a:r>
-              <a:rPr lang="nl-NL" smtClean="0"/>
+              <a:rPr lang="nl-NL"/>
               <a:t>Tweede niveau</a:t>
             </a:r>
           </a:p>
           <a:p>
             <a:pPr lvl="2"/>
             <a:r>
-              <a:rPr lang="nl-NL" smtClean="0"/>
+              <a:rPr lang="nl-NL"/>
               <a:t>Derde niveau</a:t>
             </a:r>
           </a:p>
           <a:p>
             <a:pPr lvl="3"/>
             <a:r>
-              <a:rPr lang="nl-NL" smtClean="0"/>
+              <a:rPr lang="nl-NL"/>
               <a:t>Vierde niveau</a:t>
             </a:r>
           </a:p>
           <a:p>
             <a:pPr lvl="4"/>
             <a:r>
-              <a:rPr lang="nl-NL" smtClean="0"/>
+              <a:rPr lang="nl-NL"/>
               <a:t>Vijfde niveau</a:t>
             </a:r>
             <a:endParaRPr lang="en-US" dirty="0"/>
@@ -9617,7 +9616,7 @@
           <a:p>
             <a:fld id="{3BDB8791-F1B0-41E7-B7FD-A781E65C4266}" type="datetimeFigureOut">
               <a:rPr lang="en-US" dirty="0"/>
-              <a:t>3/13/2018</a:t>
+              <a:t>15-Mar-18</a:t>
             </a:fld>
             <a:endParaRPr lang="en-US" dirty="0"/>
           </a:p>
@@ -9664,7 +9663,7 @@
             <a:fld id="{D57F1E4F-1CFF-5643-939E-217C01CDF565}" type="slidenum">
               <a:rPr lang="en-US" dirty="0"/>
               <a:pPr/>
-              <a:t>‹nr.›</a:t>
+              <a:t>‹#›</a:t>
             </a:fld>
             <a:endParaRPr lang="en-US" dirty="0"/>
           </a:p>
@@ -9715,7 +9714,7 @@
           </a:lstStyle>
           <a:p>
             <a:r>
-              <a:rPr lang="nl-NL" smtClean="0"/>
+              <a:rPr lang="nl-NL"/>
               <a:t>Klik om de stijl te bewerken</a:t>
             </a:r>
             <a:endParaRPr lang="en-US" dirty="0"/>
@@ -9787,7 +9786,7 @@
           <a:p>
             <a:pPr lvl="0"/>
             <a:r>
-              <a:rPr lang="nl-NL" smtClean="0"/>
+              <a:rPr lang="nl-NL"/>
               <a:t>Tekststijl van het model bewerken</a:t>
             </a:r>
           </a:p>
@@ -9817,35 +9816,35 @@
           <a:p>
             <a:pPr lvl="0"/>
             <a:r>
-              <a:rPr lang="nl-NL" smtClean="0"/>
+              <a:rPr lang="nl-NL"/>
               <a:t>Tekststijl van het model bewerken</a:t>
             </a:r>
           </a:p>
           <a:p>
             <a:pPr lvl="1"/>
             <a:r>
-              <a:rPr lang="nl-NL" smtClean="0"/>
+              <a:rPr lang="nl-NL"/>
               <a:t>Tweede niveau</a:t>
             </a:r>
           </a:p>
           <a:p>
             <a:pPr lvl="2"/>
             <a:r>
-              <a:rPr lang="nl-NL" smtClean="0"/>
+              <a:rPr lang="nl-NL"/>
               <a:t>Derde niveau</a:t>
             </a:r>
           </a:p>
           <a:p>
             <a:pPr lvl="3"/>
             <a:r>
-              <a:rPr lang="nl-NL" smtClean="0"/>
+              <a:rPr lang="nl-NL"/>
               <a:t>Vierde niveau</a:t>
             </a:r>
           </a:p>
           <a:p>
             <a:pPr lvl="4"/>
             <a:r>
-              <a:rPr lang="nl-NL" smtClean="0"/>
+              <a:rPr lang="nl-NL"/>
               <a:t>Vijfde niveau</a:t>
             </a:r>
             <a:endParaRPr lang="en-US" dirty="0"/>
@@ -9917,7 +9916,7 @@
           <a:p>
             <a:pPr lvl="0"/>
             <a:r>
-              <a:rPr lang="nl-NL" smtClean="0"/>
+              <a:rPr lang="nl-NL"/>
               <a:t>Tekststijl van het model bewerken</a:t>
             </a:r>
           </a:p>
@@ -9975,35 +9974,35 @@
           <a:p>
             <a:pPr lvl="0"/>
             <a:r>
-              <a:rPr lang="nl-NL" smtClean="0"/>
+              <a:rPr lang="nl-NL"/>
               <a:t>Tekststijl van het model bewerken</a:t>
             </a:r>
           </a:p>
           <a:p>
             <a:pPr lvl="1"/>
             <a:r>
-              <a:rPr lang="nl-NL" smtClean="0"/>
+              <a:rPr lang="nl-NL"/>
               <a:t>Tweede niveau</a:t>
             </a:r>
           </a:p>
           <a:p>
             <a:pPr lvl="2"/>
             <a:r>
-              <a:rPr lang="nl-NL" smtClean="0"/>
+              <a:rPr lang="nl-NL"/>
               <a:t>Derde niveau</a:t>
             </a:r>
           </a:p>
           <a:p>
             <a:pPr lvl="3"/>
             <a:r>
-              <a:rPr lang="nl-NL" smtClean="0"/>
+              <a:rPr lang="nl-NL"/>
               <a:t>Vierde niveau</a:t>
             </a:r>
           </a:p>
           <a:p>
             <a:pPr lvl="4"/>
             <a:r>
-              <a:rPr lang="nl-NL" smtClean="0"/>
+              <a:rPr lang="nl-NL"/>
               <a:t>Vijfde niveau</a:t>
             </a:r>
             <a:endParaRPr lang="en-US" dirty="0"/>
@@ -10027,7 +10026,7 @@
           <a:p>
             <a:fld id="{5FDD63B2-E120-4ED8-B27B-C685F510A5FE}" type="datetimeFigureOut">
               <a:rPr lang="en-US" dirty="0"/>
-              <a:t>3/13/2018</a:t>
+              <a:t>15-Mar-18</a:t>
             </a:fld>
             <a:endParaRPr lang="en-US" dirty="0"/>
           </a:p>
@@ -10074,7 +10073,7 @@
             <a:fld id="{D57F1E4F-1CFF-5643-939E-217C01CDF565}" type="slidenum">
               <a:rPr lang="en-US" dirty="0"/>
               <a:pPr/>
-              <a:t>‹nr.›</a:t>
+              <a:t>‹#›</a:t>
             </a:fld>
             <a:endParaRPr lang="en-US" dirty="0"/>
           </a:p>
@@ -10130,7 +10129,7 @@
           </a:lstStyle>
           <a:p>
             <a:r>
-              <a:rPr lang="nl-NL" smtClean="0"/>
+              <a:rPr lang="nl-NL"/>
               <a:t>Klik om de stijl te bewerken</a:t>
             </a:r>
             <a:endParaRPr lang="en-US" dirty="0"/>
@@ -10154,7 +10153,7 @@
           <a:p>
             <a:fld id="{7AA18ACC-A947-437B-A130-35BD54FDF1E9}" type="datetimeFigureOut">
               <a:rPr lang="en-US" dirty="0"/>
-              <a:t>3/13/2018</a:t>
+              <a:t>15-Mar-18</a:t>
             </a:fld>
             <a:endParaRPr lang="en-US" dirty="0"/>
           </a:p>
@@ -10201,7 +10200,7 @@
             <a:fld id="{D57F1E4F-1CFF-5643-939E-217C01CDF565}" type="slidenum">
               <a:rPr lang="en-US" dirty="0"/>
               <a:pPr/>
-              <a:t>‹nr.›</a:t>
+              <a:t>‹#›</a:t>
             </a:fld>
             <a:endParaRPr lang="en-US" dirty="0"/>
           </a:p>
@@ -10249,7 +10248,7 @@
           <a:p>
             <a:fld id="{7C8D7E02-BCB8-4D50-A234-369438C08659}" type="datetimeFigureOut">
               <a:rPr lang="en-US" dirty="0"/>
-              <a:t>3/13/2018</a:t>
+              <a:t>15-Mar-18</a:t>
             </a:fld>
             <a:endParaRPr lang="en-US" dirty="0"/>
           </a:p>
@@ -10332,7 +10331,7 @@
             <a:fld id="{D57F1E4F-1CFF-5643-939E-217C01CDF565}" type="slidenum">
               <a:rPr lang="en-US" dirty="0"/>
               <a:pPr/>
-              <a:t>‹nr.›</a:t>
+              <a:t>‹#›</a:t>
             </a:fld>
             <a:endParaRPr lang="en-US" dirty="0"/>
           </a:p>
@@ -11175,7 +11174,7 @@
           </a:lstStyle>
           <a:p>
             <a:r>
-              <a:rPr lang="nl-NL" smtClean="0"/>
+              <a:rPr lang="nl-NL"/>
               <a:t>Klik om de stijl te bewerken</a:t>
             </a:r>
             <a:endParaRPr lang="en-US" dirty="0"/>
@@ -11206,35 +11205,35 @@
           <a:p>
             <a:pPr lvl="0"/>
             <a:r>
-              <a:rPr lang="nl-NL" smtClean="0"/>
+              <a:rPr lang="nl-NL"/>
               <a:t>Tekststijl van het model bewerken</a:t>
             </a:r>
           </a:p>
           <a:p>
             <a:pPr lvl="1"/>
             <a:r>
-              <a:rPr lang="nl-NL" smtClean="0"/>
+              <a:rPr lang="nl-NL"/>
               <a:t>Tweede niveau</a:t>
             </a:r>
           </a:p>
           <a:p>
             <a:pPr lvl="2"/>
             <a:r>
-              <a:rPr lang="nl-NL" smtClean="0"/>
+              <a:rPr lang="nl-NL"/>
               <a:t>Derde niveau</a:t>
             </a:r>
           </a:p>
           <a:p>
             <a:pPr lvl="3"/>
             <a:r>
-              <a:rPr lang="nl-NL" smtClean="0"/>
+              <a:rPr lang="nl-NL"/>
               <a:t>Vierde niveau</a:t>
             </a:r>
           </a:p>
           <a:p>
             <a:pPr lvl="4"/>
             <a:r>
-              <a:rPr lang="nl-NL" smtClean="0"/>
+              <a:rPr lang="nl-NL"/>
               <a:t>Vijfde niveau</a:t>
             </a:r>
             <a:endParaRPr lang="en-US" dirty="0"/>
@@ -11307,7 +11306,7 @@
           <a:p>
             <a:pPr lvl="0"/>
             <a:r>
-              <a:rPr lang="nl-NL" smtClean="0"/>
+              <a:rPr lang="nl-NL"/>
               <a:t>Tekststijl van het model bewerken</a:t>
             </a:r>
           </a:p>
@@ -11330,7 +11329,7 @@
           <a:p>
             <a:fld id="{76E86A4C-8E40-4F87-A4F0-01A0687C5742}" type="datetimeFigureOut">
               <a:rPr lang="en-US" dirty="0"/>
-              <a:t>3/13/2018</a:t>
+              <a:t>15-Mar-18</a:t>
             </a:fld>
             <a:endParaRPr lang="en-US" dirty="0"/>
           </a:p>
@@ -11413,7 +11412,7 @@
             <a:fld id="{D57F1E4F-1CFF-5643-939E-217C01CDF565}" type="slidenum">
               <a:rPr lang="en-US" dirty="0"/>
               <a:pPr/>
-              <a:t>‹nr.›</a:t>
+              <a:t>‹#›</a:t>
             </a:fld>
             <a:endParaRPr lang="en-US" dirty="0"/>
           </a:p>
@@ -12258,7 +12257,7 @@
           </a:lstStyle>
           <a:p>
             <a:r>
-              <a:rPr lang="nl-NL" smtClean="0"/>
+              <a:rPr lang="nl-NL"/>
               <a:t>Klik om de stijl te bewerken</a:t>
             </a:r>
             <a:endParaRPr lang="en-US" dirty="0"/>
@@ -12340,7 +12339,7 @@
               <a:buNone/>
             </a:pPr>
             <a:r>
-              <a:rPr lang="nl-NL" smtClean="0"/>
+              <a:rPr lang="nl-NL"/>
               <a:t>Klik op het pictogram als u een afbeelding wilt toevoegen</a:t>
             </a:r>
             <a:endParaRPr lang="en-US" dirty="0"/>
@@ -12415,7 +12414,7 @@
           <a:p>
             <a:pPr lvl="0"/>
             <a:r>
-              <a:rPr lang="nl-NL" smtClean="0"/>
+              <a:rPr lang="nl-NL"/>
               <a:t>Tekststijl van het model bewerken</a:t>
             </a:r>
           </a:p>
@@ -12438,7 +12437,7 @@
           <a:p>
             <a:fld id="{35E72C73-2D91-4E12-BA25-F0AA0C03599B}" type="datetimeFigureOut">
               <a:rPr lang="en-US" dirty="0"/>
-              <a:t>3/13/2018</a:t>
+              <a:t>15-Mar-18</a:t>
             </a:fld>
             <a:endParaRPr lang="en-US" dirty="0"/>
           </a:p>
@@ -12521,7 +12520,7 @@
             <a:fld id="{D57F1E4F-1CFF-5643-939E-217C01CDF565}" type="slidenum">
               <a:rPr lang="en-US" dirty="0"/>
               <a:pPr/>
-              <a:t>‹nr.›</a:t>
+              <a:t>‹#›</a:t>
             </a:fld>
             <a:endParaRPr lang="en-US" dirty="0"/>
           </a:p>
@@ -13333,7 +13332,7 @@
           <a:lstStyle/>
           <a:p>
             <a:r>
-              <a:rPr lang="nl-NL" smtClean="0"/>
+              <a:rPr lang="nl-NL"/>
               <a:t>Klik om de stijl te bewerken</a:t>
             </a:r>
             <a:endParaRPr lang="en-US" dirty="0"/>
@@ -13367,35 +13366,35 @@
           <a:p>
             <a:pPr lvl="0"/>
             <a:r>
-              <a:rPr lang="nl-NL" smtClean="0"/>
+              <a:rPr lang="nl-NL"/>
               <a:t>Tekststijl van het model bewerken</a:t>
             </a:r>
           </a:p>
           <a:p>
             <a:pPr lvl="1"/>
             <a:r>
-              <a:rPr lang="nl-NL" smtClean="0"/>
+              <a:rPr lang="nl-NL"/>
               <a:t>Tweede niveau</a:t>
             </a:r>
           </a:p>
           <a:p>
             <a:pPr lvl="2"/>
             <a:r>
-              <a:rPr lang="nl-NL" smtClean="0"/>
+              <a:rPr lang="nl-NL"/>
               <a:t>Derde niveau</a:t>
             </a:r>
           </a:p>
           <a:p>
             <a:pPr lvl="3"/>
             <a:r>
-              <a:rPr lang="nl-NL" smtClean="0"/>
+              <a:rPr lang="nl-NL"/>
               <a:t>Vierde niveau</a:t>
             </a:r>
           </a:p>
           <a:p>
             <a:pPr lvl="4"/>
             <a:r>
-              <a:rPr lang="nl-NL" smtClean="0"/>
+              <a:rPr lang="nl-NL"/>
               <a:t>Vijfde niveau</a:t>
             </a:r>
             <a:endParaRPr lang="en-US" dirty="0"/>
@@ -13435,7 +13434,7 @@
           <a:p>
             <a:fld id="{2BE451C3-0FF4-47C4-B829-773ADF60F88C}" type="datetimeFigureOut">
               <a:rPr lang="en-US" dirty="0"/>
-              <a:t>3/13/2018</a:t>
+              <a:t>15-Mar-18</a:t>
             </a:fld>
             <a:endParaRPr lang="en-US" dirty="0"/>
           </a:p>
@@ -13550,7 +13549,7 @@
             <a:fld id="{D57F1E4F-1CFF-5643-939E-217C01CDF565}" type="slidenum">
               <a:rPr lang="en-US" dirty="0"/>
               <a:pPr/>
-              <a:t>‹nr.›</a:t>
+              <a:t>‹#›</a:t>
             </a:fld>
             <a:endParaRPr lang="en-US" dirty="0"/>
           </a:p>
@@ -14023,18 +14022,13 @@
             <a:br>
               <a:rPr lang="nl-NL" dirty="0"/>
             </a:br>
-            <a:r>
-              <a:rPr lang="nl-NL" dirty="0" smtClean="0"/>
-              <a:t/>
-            </a:r>
             <a:br>
-              <a:rPr lang="nl-NL" dirty="0" smtClean="0"/>
+              <a:rPr lang="nl-NL" dirty="0"/>
             </a:br>
             <a:r>
-              <a:rPr lang="nl-NL" dirty="0" smtClean="0"/>
+              <a:rPr lang="nl-NL" dirty="0"/>
               <a:t>OP3</a:t>
             </a:r>
-            <a:endParaRPr lang="nl-NL" dirty="0"/>
           </a:p>
         </p:txBody>
       </p:sp>
@@ -14054,32 +14048,28 @@
           <a:lstStyle/>
           <a:p>
             <a:r>
-              <a:rPr lang="en-US" dirty="0" smtClean="0"/>
+              <a:rPr lang="en-US" dirty="0"/>
               <a:t>Web applicate </a:t>
             </a:r>
             <a:r>
-              <a:rPr lang="en-US" dirty="0" err="1" smtClean="0"/>
+              <a:rPr lang="en-US" dirty="0" err="1"/>
               <a:t>en</a:t>
             </a:r>
             <a:r>
-              <a:rPr lang="en-US" dirty="0" smtClean="0"/>
+              <a:rPr lang="en-US" dirty="0"/>
               <a:t> </a:t>
             </a:r>
             <a:r>
-              <a:rPr lang="en-US" dirty="0" err="1" smtClean="0"/>
+              <a:rPr lang="en-US" dirty="0" err="1"/>
               <a:t>ontwikkeling</a:t>
             </a:r>
-            <a:endParaRPr lang="en-US" dirty="0" smtClean="0"/>
+            <a:endParaRPr lang="en-US" dirty="0"/>
           </a:p>
           <a:p>
             <a:pPr algn="r"/>
             <a:r>
-              <a:rPr lang="en-US" dirty="0" smtClean="0"/>
-              <a:t>Docent: Gene wright</a:t>
-            </a:r>
-            <a:r>
-              <a:rPr lang="en-US" dirty="0" smtClean="0"/>
-              <a:t> </a:t>
+              <a:rPr lang="en-US" dirty="0"/>
+              <a:t>Docent: Gene wright </a:t>
             </a:r>
             <a:endParaRPr lang="nl-NL" dirty="0"/>
           </a:p>
@@ -14095,13 +14085,6 @@
   <p:clrMapOvr>
     <a:masterClrMapping/>
   </p:clrMapOvr>
-  <p:timing>
-    <p:tnLst>
-      <p:par>
-        <p:cTn id="1" dur="indefinite" restart="never" nodeType="tmRoot"/>
-      </p:par>
-    </p:tnLst>
-  </p:timing>
 </p:sld>
 </file>
 
@@ -14138,16 +14121,12 @@
           <a:lstStyle/>
           <a:p>
             <a:r>
-              <a:rPr lang="en-US" dirty="0" err="1" smtClean="0"/>
+              <a:rPr lang="en-US" dirty="0" err="1"/>
               <a:t>Vragen</a:t>
             </a:r>
             <a:r>
-              <a:rPr lang="en-US" dirty="0" smtClean="0"/>
-              <a:t>?      Happ</a:t>
-            </a:r>
-            <a:r>
-              <a:rPr lang="en-US" dirty="0" smtClean="0"/>
-              <a:t>y Coding	</a:t>
+              <a:rPr lang="en-US" dirty="0"/>
+              <a:t>?      Happy Coding	</a:t>
             </a:r>
             <a:endParaRPr lang="nl-NL" dirty="0"/>
           </a:p>
@@ -14174,10 +14153,9 @@
           <a:lstStyle/>
           <a:p>
             <a:r>
-              <a:rPr lang="en-US" dirty="0" smtClean="0"/>
+              <a:rPr lang="en-US" dirty="0"/>
               <a:t>(C)2015 Summa College Eindhoven, Summa ICT, Maurice Joosten</a:t>
             </a:r>
-            <a:endParaRPr lang="en-US" dirty="0"/>
           </a:p>
         </p:txBody>
       </p:sp>
@@ -14251,13 +14229,6 @@
   <p:clrMapOvr>
     <a:masterClrMapping/>
   </p:clrMapOvr>
-  <p:timing>
-    <p:tnLst>
-      <p:par>
-        <p:cTn id="1" dur="indefinite" restart="never" nodeType="tmRoot"/>
-      </p:par>
-    </p:tnLst>
-  </p:timing>
 </p:sld>
 </file>
 
@@ -14337,18 +14308,9 @@
           <a:lstStyle/>
           <a:p>
             <a:r>
-              <a:rPr lang="en-US" dirty="0" smtClean="0"/>
-              <a:t>© </a:t>
-            </a:r>
-            <a:r>
               <a:rPr lang="en-US" dirty="0"/>
-              <a:t>2018 </a:t>
-            </a:r>
-            <a:r>
-              <a:rPr lang="en-US" dirty="0" smtClean="0"/>
-              <a:t>Summa College Eindhoven, Summa ICT, Gene Wright</a:t>
-            </a:r>
-            <a:endParaRPr lang="en-US" dirty="0"/>
+              <a:t>© 2018 Summa College Eindhoven, Summa ICT, Gene Wright</a:t>
+            </a:r>
           </a:p>
         </p:txBody>
       </p:sp>
@@ -14433,13 +14395,6 @@
   <p:clrMapOvr>
     <a:masterClrMapping/>
   </p:clrMapOvr>
-  <p:timing>
-    <p:tnLst>
-      <p:par>
-        <p:cTn id="1" dur="indefinite" restart="never" nodeType="tmRoot"/>
-      </p:par>
-    </p:tnLst>
-  </p:timing>
 </p:sld>
 </file>
 
@@ -14476,7 +14431,7 @@
           <a:lstStyle/>
           <a:p>
             <a:r>
-              <a:rPr lang="en-US" dirty="0" err="1" smtClean="0"/>
+              <a:rPr lang="en-US" dirty="0" err="1"/>
               <a:t>Eind</a:t>
             </a:r>
             <a:r>
@@ -14484,11 +14439,11 @@
               <a:t> </a:t>
             </a:r>
             <a:r>
-              <a:rPr lang="en-US" dirty="0" err="1" smtClean="0"/>
+              <a:rPr lang="en-US" dirty="0" err="1"/>
               <a:t>Opdracht</a:t>
             </a:r>
             <a:r>
-              <a:rPr lang="en-US" dirty="0" smtClean="0"/>
+              <a:rPr lang="en-US" dirty="0"/>
               <a:t> Casus</a:t>
             </a:r>
             <a:endParaRPr lang="nl-NL" dirty="0"/>
@@ -14513,81 +14468,81 @@
           <a:lstStyle/>
           <a:p>
             <a:r>
-              <a:rPr lang="nl-NL" sz="2800" dirty="0" smtClean="0"/>
+              <a:rPr lang="nl-NL" sz="2800" dirty="0"/>
               <a:t>Opdracht om een Web winkel te maken voor een klant. </a:t>
             </a:r>
           </a:p>
           <a:p>
             <a:r>
-              <a:rPr lang="en-US" sz="2800" dirty="0" err="1" smtClean="0"/>
+              <a:rPr lang="en-US" sz="2800" dirty="0" err="1"/>
               <a:t>Dit</a:t>
             </a:r>
             <a:r>
-              <a:rPr lang="en-US" sz="2800" dirty="0" smtClean="0"/>
+              <a:rPr lang="en-US" sz="2800" dirty="0"/>
               <a:t> is </a:t>
             </a:r>
             <a:r>
-              <a:rPr lang="en-US" sz="2800" dirty="0" err="1" smtClean="0"/>
+              <a:rPr lang="en-US" sz="2800" dirty="0" err="1"/>
               <a:t>een</a:t>
             </a:r>
             <a:r>
-              <a:rPr lang="en-US" sz="2800" dirty="0" smtClean="0"/>
+              <a:rPr lang="en-US" sz="2800" dirty="0"/>
               <a:t> </a:t>
             </a:r>
             <a:r>
-              <a:rPr lang="en-US" sz="2800" dirty="0" err="1" smtClean="0"/>
+              <a:rPr lang="en-US" sz="2800" dirty="0" err="1"/>
               <a:t>individueel</a:t>
             </a:r>
             <a:r>
-              <a:rPr lang="en-US" sz="2800" dirty="0" smtClean="0"/>
+              <a:rPr lang="en-US" sz="2800" dirty="0"/>
               <a:t> project ! </a:t>
             </a:r>
           </a:p>
           <a:p>
             <a:r>
-              <a:rPr lang="en-US" sz="2800" dirty="0" err="1" smtClean="0"/>
+              <a:rPr lang="en-US" sz="2800" dirty="0" err="1"/>
               <a:t>Volgens</a:t>
             </a:r>
             <a:r>
-              <a:rPr lang="en-US" sz="2800" dirty="0" smtClean="0"/>
+              <a:rPr lang="en-US" sz="2800" dirty="0"/>
               <a:t> het Project </a:t>
             </a:r>
             <a:r>
-              <a:rPr lang="en-US" sz="2800" dirty="0" err="1" smtClean="0"/>
+              <a:rPr lang="en-US" sz="2800" dirty="0" err="1"/>
               <a:t>Initatie</a:t>
             </a:r>
             <a:r>
-              <a:rPr lang="en-US" sz="2800" dirty="0" smtClean="0"/>
+              <a:rPr lang="en-US" sz="2800" dirty="0"/>
               <a:t> Document (</a:t>
             </a:r>
             <a:r>
-              <a:rPr lang="en-US" sz="2800" dirty="0" err="1" smtClean="0"/>
+              <a:rPr lang="en-US" sz="2800" dirty="0" err="1"/>
               <a:t>PiD</a:t>
             </a:r>
             <a:r>
-              <a:rPr lang="en-US" sz="2800" dirty="0" smtClean="0"/>
+              <a:rPr lang="en-US" sz="2800" dirty="0"/>
               <a:t>)</a:t>
             </a:r>
           </a:p>
           <a:p>
             <a:r>
-              <a:rPr lang="en-US" sz="2800" dirty="0" smtClean="0"/>
+              <a:rPr lang="en-US" sz="2800" dirty="0"/>
               <a:t>Project </a:t>
             </a:r>
             <a:r>
-              <a:rPr lang="en-US" sz="2800" dirty="0" err="1" smtClean="0"/>
+              <a:rPr lang="en-US" sz="2800" dirty="0" err="1"/>
               <a:t>benodigdheden</a:t>
             </a:r>
-            <a:endParaRPr lang="en-US" sz="2800" dirty="0" smtClean="0"/>
-          </a:p>
-          <a:p>
-            <a:endParaRPr lang="nl-NL" sz="2800" dirty="0" smtClean="0"/>
+            <a:endParaRPr lang="en-US" sz="2800" dirty="0"/>
+          </a:p>
+          <a:p>
+            <a:endParaRPr lang="nl-NL" sz="2800" dirty="0"/>
           </a:p>
           <a:p>
             <a:pPr marL="0" indent="0">
               <a:buNone/>
             </a:pPr>
-            <a:endParaRPr lang="nl-NL" sz="2800" dirty="0" smtClean="0"/>
+            <a:endParaRPr lang="nl-NL" sz="2800" dirty="0"/>
           </a:p>
         </p:txBody>
       </p:sp>
@@ -14612,18 +14567,9 @@
           <a:lstStyle/>
           <a:p>
             <a:r>
-              <a:rPr lang="en-US" dirty="0" smtClean="0"/>
-              <a:t>© </a:t>
-            </a:r>
-            <a:r>
               <a:rPr lang="en-US" dirty="0"/>
-              <a:t>2018 </a:t>
-            </a:r>
-            <a:r>
-              <a:rPr lang="en-US" dirty="0" smtClean="0"/>
-              <a:t>Summa College Eindhoven, Summa ICT, Gene Wright</a:t>
-            </a:r>
-            <a:endParaRPr lang="en-US" dirty="0"/>
+              <a:t>© 2018 Summa College Eindhoven, Summa ICT, Gene Wright</a:t>
+            </a:r>
           </a:p>
         </p:txBody>
       </p:sp>
@@ -14667,13 +14613,6 @@
   <p:clrMapOvr>
     <a:masterClrMapping/>
   </p:clrMapOvr>
-  <p:timing>
-    <p:tnLst>
-      <p:par>
-        <p:cTn id="1" dur="indefinite" restart="never" nodeType="tmRoot"/>
-      </p:par>
-    </p:tnLst>
-  </p:timing>
 </p:sld>
 </file>
 
@@ -14710,11 +14649,11 @@
           <a:lstStyle/>
           <a:p>
             <a:r>
-              <a:rPr lang="nl-NL" dirty="0" smtClean="0"/>
+              <a:rPr lang="nl-NL" dirty="0"/>
               <a:t>Programma: </a:t>
             </a:r>
             <a:r>
-              <a:rPr lang="nl-NL" dirty="0" err="1" smtClean="0"/>
+              <a:rPr lang="nl-NL" dirty="0" err="1"/>
               <a:t>EindOpdracht</a:t>
             </a:r>
             <a:endParaRPr lang="nl-NL" dirty="0"/>
@@ -14772,18 +14711,9 @@
           <a:lstStyle/>
           <a:p>
             <a:r>
-              <a:rPr lang="en-US" dirty="0" smtClean="0"/>
-              <a:t>© </a:t>
-            </a:r>
-            <a:r>
               <a:rPr lang="en-US" dirty="0"/>
-              <a:t>2018 </a:t>
-            </a:r>
-            <a:r>
-              <a:rPr lang="en-US" dirty="0" smtClean="0"/>
-              <a:t>Summa College Eindhoven, Summa ICT, Gene Wright</a:t>
-            </a:r>
-            <a:endParaRPr lang="en-US" dirty="0"/>
+              <a:t>© 2018 Summa College Eindhoven, Summa ICT, Gene Wright</a:t>
+            </a:r>
           </a:p>
         </p:txBody>
       </p:sp>
@@ -15037,7 +14967,7 @@
           </a:lstStyle>
           <a:p>
             <a:r>
-              <a:rPr lang="nl-NL" sz="2400" dirty="0" smtClean="0"/>
+              <a:rPr lang="nl-NL" sz="2400" dirty="0"/>
               <a:t>Week 5</a:t>
             </a:r>
           </a:p>
@@ -15045,70 +14975,62 @@
             <a:pPr lvl="1"/>
             <a:r>
               <a:rPr lang="nl-NL" sz="2400" dirty="0"/>
-              <a:t> </a:t>
-            </a:r>
-            <a:r>
-              <a:rPr lang="nl-NL" sz="2400" dirty="0" smtClean="0"/>
-              <a:t>Planning/ Web Diagram UI &amp; DB design</a:t>
-            </a:r>
-            <a:r>
-              <a:rPr lang="nl-NL" sz="2400" dirty="0" smtClean="0"/>
-              <a:t> </a:t>
-            </a:r>
-            <a:endParaRPr lang="en-US" sz="2400" dirty="0" smtClean="0"/>
-          </a:p>
-          <a:p>
-            <a:r>
-              <a:rPr lang="en-US" sz="2400" dirty="0" smtClean="0"/>
+              <a:t> Planning/ Web Diagram UI &amp; DB design </a:t>
+            </a:r>
+            <a:endParaRPr lang="en-US" sz="2400" dirty="0"/>
+          </a:p>
+          <a:p>
+            <a:r>
+              <a:rPr lang="en-US" sz="2400" dirty="0"/>
               <a:t>Week 6 </a:t>
             </a:r>
           </a:p>
           <a:p>
             <a:pPr lvl="1"/>
             <a:r>
-              <a:rPr lang="en-US" sz="2400" dirty="0" err="1" smtClean="0"/>
+              <a:rPr lang="en-US" sz="2400" dirty="0" err="1"/>
               <a:t>Pagina’s</a:t>
             </a:r>
             <a:r>
-              <a:rPr lang="en-US" sz="2400" dirty="0" smtClean="0"/>
+              <a:rPr lang="en-US" sz="2400" dirty="0"/>
               <a:t>/ Menus/ DB Build &amp; Connect</a:t>
             </a:r>
-            <a:endParaRPr lang="nl-NL" sz="2400" dirty="0" smtClean="0"/>
-          </a:p>
-          <a:p>
-            <a:r>
-              <a:rPr lang="en-US" sz="2400" dirty="0" smtClean="0"/>
+            <a:endParaRPr lang="nl-NL" sz="2400" dirty="0"/>
+          </a:p>
+          <a:p>
+            <a:r>
+              <a:rPr lang="en-US" sz="2400" dirty="0"/>
               <a:t>Week 7</a:t>
             </a:r>
           </a:p>
           <a:p>
             <a:pPr lvl="1"/>
             <a:r>
-              <a:rPr lang="en-US" sz="2400" dirty="0" smtClean="0"/>
+              <a:rPr lang="en-US" sz="2400" dirty="0"/>
               <a:t>CSS/ Dev. Testing / Acceptance Testing</a:t>
             </a:r>
           </a:p>
           <a:p>
             <a:r>
-              <a:rPr lang="en-US" sz="2400" dirty="0" smtClean="0"/>
+              <a:rPr lang="en-US" sz="2400" dirty="0"/>
               <a:t>Week 8</a:t>
             </a:r>
           </a:p>
           <a:p>
             <a:pPr lvl="1"/>
             <a:r>
-              <a:rPr lang="en-US" sz="2200" dirty="0" err="1" smtClean="0"/>
+              <a:rPr lang="en-US" sz="2200" dirty="0" err="1"/>
               <a:t>Opleveren</a:t>
             </a:r>
             <a:r>
-              <a:rPr lang="en-US" sz="2200" dirty="0" smtClean="0"/>
+              <a:rPr lang="en-US" sz="2200" dirty="0"/>
               <a:t> / </a:t>
             </a:r>
             <a:r>
-              <a:rPr lang="en-US" sz="2200" dirty="0" err="1" smtClean="0"/>
+              <a:rPr lang="en-US" sz="2200" dirty="0" err="1"/>
               <a:t>Afktekening</a:t>
             </a:r>
-            <a:endParaRPr lang="en-US" sz="2200" dirty="0" smtClean="0"/>
+            <a:endParaRPr lang="en-US" sz="2200" dirty="0"/>
           </a:p>
           <a:p>
             <a:pPr lvl="1"/>
@@ -15126,13 +15048,6 @@
   <p:clrMapOvr>
     <a:masterClrMapping/>
   </p:clrMapOvr>
-  <p:timing>
-    <p:tnLst>
-      <p:par>
-        <p:cTn id="1" dur="indefinite" restart="never" nodeType="tmRoot"/>
-      </p:par>
-    </p:tnLst>
-  </p:timing>
 </p:sld>
 </file>
 
@@ -15169,10 +15084,9 @@
           <a:lstStyle/>
           <a:p>
             <a:r>
-              <a:rPr lang="nl-NL" dirty="0" smtClean="0"/>
+              <a:rPr lang="nl-NL" dirty="0"/>
               <a:t>Casus: De Concurrent </a:t>
             </a:r>
-            <a:endParaRPr lang="nl-NL" dirty="0"/>
           </a:p>
         </p:txBody>
       </p:sp>
@@ -15227,18 +15141,9 @@
           <a:lstStyle/>
           <a:p>
             <a:r>
-              <a:rPr lang="en-US" dirty="0" smtClean="0"/>
-              <a:t>© </a:t>
-            </a:r>
-            <a:r>
               <a:rPr lang="en-US" dirty="0"/>
-              <a:t>2018 </a:t>
-            </a:r>
-            <a:r>
-              <a:rPr lang="en-US" dirty="0" smtClean="0"/>
-              <a:t>Summa College Eindhoven, Summa ICT, Gene Wright</a:t>
-            </a:r>
-            <a:endParaRPr lang="en-US" dirty="0"/>
+              <a:t>© 2018 Summa College Eindhoven, Summa ICT, Gene Wright</a:t>
+            </a:r>
           </a:p>
         </p:txBody>
       </p:sp>
@@ -15373,15 +15278,7 @@
                 <a:ea typeface="Calibri" panose="020F0502020204030204" pitchFamily="34" charset="0"/>
                 <a:cs typeface="Times New Roman" panose="02020603050405020304" pitchFamily="18" charset="0"/>
               </a:rPr>
-              <a:t>jou </a:t>
-            </a:r>
-            <a:r>
-              <a:rPr lang="nl-NL" smtClean="0">
-                <a:latin typeface="Calibri" panose="020F0502020204030204" pitchFamily="34" charset="0"/>
-                <a:ea typeface="Calibri" panose="020F0502020204030204" pitchFamily="34" charset="0"/>
-                <a:cs typeface="Times New Roman" panose="02020603050405020304" pitchFamily="18" charset="0"/>
-              </a:rPr>
-              <a:t>de </a:t>
+              <a:t>jou de </a:t>
             </a:r>
             <a:r>
               <a:rPr lang="nl-NL" dirty="0">
@@ -15404,13 +15301,6 @@
   <p:clrMapOvr>
     <a:masterClrMapping/>
   </p:clrMapOvr>
-  <p:timing>
-    <p:tnLst>
-      <p:par>
-        <p:cTn id="1" dur="indefinite" restart="never" nodeType="tmRoot"/>
-      </p:par>
-    </p:tnLst>
-  </p:timing>
 </p:sld>
 </file>
 
@@ -15447,15 +15337,15 @@
           <a:lstStyle/>
           <a:p>
             <a:r>
-              <a:rPr lang="en-US" dirty="0" err="1" smtClean="0"/>
+              <a:rPr lang="en-US" dirty="0" err="1"/>
               <a:t>Verplichte</a:t>
             </a:r>
             <a:r>
-              <a:rPr lang="en-US" dirty="0" smtClean="0"/>
+              <a:rPr lang="en-US" dirty="0"/>
               <a:t> </a:t>
             </a:r>
             <a:r>
-              <a:rPr lang="en-US" dirty="0" err="1" smtClean="0"/>
+              <a:rPr lang="en-US" dirty="0" err="1"/>
               <a:t>Eisen</a:t>
             </a:r>
             <a:endParaRPr lang="nl-NL" dirty="0"/>
@@ -15560,26 +15450,14 @@
             </a:pPr>
             <a:r>
               <a:rPr lang="nl-NL" dirty="0"/>
-              <a:t>Een webshop (enkel selecteren en registreren van aankoop in database, de werkelijke </a:t>
-            </a:r>
-            <a:r>
-              <a:rPr lang="nl-NL" dirty="0" smtClean="0"/>
-              <a:t>verkoop</a:t>
+              <a:t>Een webshop (enkel selecteren en registreren van aankoop in database, de werkelijke verkoop</a:t>
             </a:r>
           </a:p>
           <a:p>
             <a:pPr lvl="0"/>
             <a:r>
               <a:rPr lang="nl-NL" dirty="0"/>
-              <a:t> </a:t>
-            </a:r>
-            <a:r>
-              <a:rPr lang="nl-NL" dirty="0" smtClean="0"/>
-              <a:t>    gebeurt </a:t>
-            </a:r>
-            <a:r>
-              <a:rPr lang="nl-NL" dirty="0"/>
-              <a:t>nog handmatig)</a:t>
+              <a:t>     gebeurt nog handmatig)</a:t>
             </a:r>
           </a:p>
           <a:p>
@@ -15627,13 +15505,8 @@
             </a:r>
             <a:r>
               <a:rPr lang="nl-NL" dirty="0"/>
-              <a:t> </a:t>
-            </a:r>
-            <a:r>
-              <a:rPr lang="nl-NL" dirty="0" smtClean="0"/>
-              <a:t>opmaak met bij behorende passend logo</a:t>
-            </a:r>
-            <a:endParaRPr lang="nl-NL" dirty="0"/>
+              <a:t> opmaak met bij behorende passend logo</a:t>
+            </a:r>
           </a:p>
         </p:txBody>
       </p:sp>
@@ -15658,18 +15531,9 @@
           <a:lstStyle/>
           <a:p>
             <a:r>
-              <a:rPr lang="en-US" dirty="0" smtClean="0"/>
-              <a:t>© </a:t>
-            </a:r>
-            <a:r>
               <a:rPr lang="en-US" dirty="0"/>
-              <a:t>2018 </a:t>
-            </a:r>
-            <a:r>
-              <a:rPr lang="en-US" dirty="0" smtClean="0"/>
-              <a:t>Summa College Eindhoven, Summa ICT, Gene Wright</a:t>
-            </a:r>
-            <a:endParaRPr lang="en-US" dirty="0"/>
+              <a:t>© 2018 Summa College Eindhoven, Summa ICT, Gene Wright</a:t>
+            </a:r>
           </a:p>
         </p:txBody>
       </p:sp>
@@ -16701,19 +16565,19 @@
           <a:lstStyle/>
           <a:p>
             <a:r>
-              <a:rPr lang="en-US" dirty="0" err="1" smtClean="0"/>
+              <a:rPr lang="en-US" dirty="0" err="1"/>
               <a:t>Opleveren</a:t>
             </a:r>
             <a:r>
-              <a:rPr lang="en-US" dirty="0" smtClean="0"/>
+              <a:rPr lang="en-US" dirty="0"/>
               <a:t> / </a:t>
             </a:r>
             <a:r>
-              <a:rPr lang="en-US" dirty="0" err="1" smtClean="0"/>
+              <a:rPr lang="en-US" dirty="0" err="1"/>
               <a:t>Aftekenen</a:t>
             </a:r>
             <a:r>
-              <a:rPr lang="en-US" dirty="0" smtClean="0"/>
+              <a:rPr lang="en-US" dirty="0"/>
               <a:t> </a:t>
             </a:r>
             <a:endParaRPr lang="nl-NL" dirty="0"/>
@@ -16758,8 +16622,8 @@
         </p:nvSpPr>
         <p:spPr>
           <a:xfrm>
-            <a:off x="1650734" y="3238525"/>
-            <a:ext cx="3090911" cy="1754326"/>
+            <a:off x="996710" y="3238525"/>
+            <a:ext cx="4398961" cy="1754326"/>
           </a:xfrm>
           <a:prstGeom prst="rect">
             <a:avLst/>
@@ -16774,15 +16638,15 @@
           <a:p>
             <a:pPr lvl="0" algn="ctr"/>
             <a:r>
-              <a:rPr lang="en-US" b="1" dirty="0" smtClean="0"/>
+              <a:rPr lang="en-US" b="1" dirty="0"/>
               <a:t>De </a:t>
             </a:r>
             <a:r>
-              <a:rPr lang="en-US" b="1" dirty="0" err="1" smtClean="0"/>
+              <a:rPr lang="en-US" b="1" dirty="0" err="1"/>
               <a:t>Handleiding</a:t>
             </a:r>
             <a:r>
-              <a:rPr lang="en-US" b="1" dirty="0" smtClean="0"/>
+              <a:rPr lang="en-US" b="1" dirty="0"/>
               <a:t> </a:t>
             </a:r>
           </a:p>
@@ -16792,12 +16656,12 @@
               <a:buChar char="ü"/>
             </a:pPr>
             <a:r>
-              <a:rPr lang="en-US" dirty="0" err="1" smtClean="0"/>
+              <a:rPr lang="en-US" dirty="0" err="1"/>
               <a:t>Ui</a:t>
             </a:r>
             <a:r>
-              <a:rPr lang="en-US" dirty="0" smtClean="0"/>
-              <a:t> Diagram</a:t>
+              <a:rPr lang="en-US" dirty="0"/>
+              <a:t> Diagram (Wireframe)</a:t>
             </a:r>
           </a:p>
           <a:p>
@@ -16806,8 +16670,8 @@
               <a:buChar char="ü"/>
             </a:pPr>
             <a:r>
-              <a:rPr lang="en-US" dirty="0" smtClean="0"/>
-              <a:t>Web Diagram</a:t>
+              <a:rPr lang="en-US" dirty="0"/>
+              <a:t>Web Diagram (Use case)</a:t>
             </a:r>
           </a:p>
           <a:p>
@@ -16816,14 +16680,14 @@
               <a:buChar char="ü"/>
             </a:pPr>
             <a:r>
-              <a:rPr lang="en-US" dirty="0" smtClean="0"/>
+              <a:rPr lang="en-US" dirty="0"/>
               <a:t>Directory </a:t>
             </a:r>
             <a:r>
-              <a:rPr lang="en-US" dirty="0" err="1" smtClean="0"/>
+              <a:rPr lang="en-US" dirty="0" err="1"/>
               <a:t>Structuur</a:t>
             </a:r>
-            <a:endParaRPr lang="en-US" dirty="0" smtClean="0"/>
+            <a:endParaRPr lang="en-US" dirty="0"/>
           </a:p>
           <a:p>
             <a:pPr marL="742950" lvl="1" indent="-285750">
@@ -16831,7 +16695,7 @@
               <a:buChar char="ü"/>
             </a:pPr>
             <a:r>
-              <a:rPr lang="en-US" dirty="0" smtClean="0"/>
+              <a:rPr lang="en-US" dirty="0"/>
               <a:t>Database Diagram</a:t>
             </a:r>
           </a:p>
@@ -16841,12 +16705,16 @@
               <a:buChar char="ü"/>
             </a:pPr>
             <a:r>
-              <a:rPr lang="en-US" dirty="0" smtClean="0"/>
+              <a:rPr lang="en-US" dirty="0"/>
               <a:t>Mockup </a:t>
             </a:r>
             <a:r>
-              <a:rPr lang="en-US" dirty="0" err="1" smtClean="0"/>
+              <a:rPr lang="en-US" dirty="0" err="1"/>
               <a:t>overzicht</a:t>
+            </a:r>
+            <a:r>
+              <a:rPr lang="en-US" dirty="0"/>
+              <a:t> (Storyboard)</a:t>
             </a:r>
             <a:endParaRPr lang="nl-NL" dirty="0"/>
           </a:p>
@@ -16873,18 +16741,9 @@
           <a:lstStyle/>
           <a:p>
             <a:r>
-              <a:rPr lang="en-US" dirty="0" smtClean="0"/>
-              <a:t>© </a:t>
-            </a:r>
-            <a:r>
               <a:rPr lang="en-US" dirty="0"/>
-              <a:t>2018 </a:t>
-            </a:r>
-            <a:r>
-              <a:rPr lang="en-US" dirty="0" smtClean="0"/>
-              <a:t>Summa College Eindhoven, Summa ICT, Gene Wright</a:t>
-            </a:r>
-            <a:endParaRPr lang="en-US" dirty="0"/>
+              <a:t>© 2018 Summa College Eindhoven, Summa ICT, Gene Wright</a:t>
+            </a:r>
           </a:p>
         </p:txBody>
       </p:sp>
@@ -16912,15 +16771,15 @@
           <a:p>
             <a:pPr lvl="0" algn="ctr"/>
             <a:r>
-              <a:rPr lang="en-US" b="1" dirty="0" smtClean="0"/>
+              <a:rPr lang="en-US" b="1" dirty="0"/>
               <a:t>De </a:t>
             </a:r>
             <a:r>
-              <a:rPr lang="en-US" b="1" dirty="0" err="1" smtClean="0"/>
+              <a:rPr lang="en-US" b="1" dirty="0" err="1"/>
               <a:t>WebSite</a:t>
             </a:r>
             <a:r>
-              <a:rPr lang="en-US" dirty="0" smtClean="0"/>
+              <a:rPr lang="en-US" dirty="0"/>
               <a:t> </a:t>
             </a:r>
           </a:p>
@@ -16930,10 +16789,10 @@
               <a:buChar char="ü"/>
             </a:pPr>
             <a:r>
-              <a:rPr lang="en-US" dirty="0" err="1" smtClean="0"/>
+              <a:rPr lang="en-US" dirty="0" err="1"/>
               <a:t>Homepagina</a:t>
             </a:r>
-            <a:endParaRPr lang="en-US" dirty="0" smtClean="0"/>
+            <a:endParaRPr lang="en-US" dirty="0"/>
           </a:p>
           <a:p>
             <a:pPr marL="742950" lvl="1" indent="-285750">
@@ -16941,14 +16800,14 @@
               <a:buChar char="ü"/>
             </a:pPr>
             <a:r>
-              <a:rPr lang="en-US" dirty="0" smtClean="0"/>
+              <a:rPr lang="en-US" dirty="0"/>
               <a:t>Web </a:t>
             </a:r>
             <a:r>
-              <a:rPr lang="en-US" dirty="0" err="1" smtClean="0"/>
+              <a:rPr lang="en-US" dirty="0" err="1"/>
               <a:t>Winkel</a:t>
             </a:r>
-            <a:endParaRPr lang="en-US" dirty="0" smtClean="0"/>
+            <a:endParaRPr lang="en-US" dirty="0"/>
           </a:p>
           <a:p>
             <a:pPr marL="742950" lvl="1" indent="-285750">
@@ -16956,11 +16815,11 @@
               <a:buChar char="ü"/>
             </a:pPr>
             <a:r>
-              <a:rPr lang="en-US" dirty="0" err="1" smtClean="0"/>
+              <a:rPr lang="en-US" dirty="0" err="1"/>
               <a:t>Reparatie</a:t>
             </a:r>
             <a:r>
-              <a:rPr lang="en-US" dirty="0" smtClean="0"/>
+              <a:rPr lang="en-US" dirty="0"/>
               <a:t> </a:t>
             </a:r>
           </a:p>
@@ -16970,7 +16829,7 @@
               <a:buChar char="ü"/>
             </a:pPr>
             <a:r>
-              <a:rPr lang="en-US" dirty="0" smtClean="0"/>
+              <a:rPr lang="en-US" dirty="0"/>
               <a:t>Contact</a:t>
             </a:r>
           </a:p>
@@ -17000,7 +16859,7 @@
           <a:p>
             <a:pPr lvl="0" algn="ctr"/>
             <a:r>
-              <a:rPr lang="en-US" b="1" dirty="0" smtClean="0"/>
+              <a:rPr lang="en-US" b="1" dirty="0"/>
               <a:t>De Databases  </a:t>
             </a:r>
           </a:p>
@@ -17010,15 +16869,15 @@
               <a:buChar char="ü"/>
             </a:pPr>
             <a:r>
-              <a:rPr lang="en-US" dirty="0" smtClean="0"/>
+              <a:rPr lang="en-US" dirty="0"/>
               <a:t>User </a:t>
             </a:r>
             <a:r>
-              <a:rPr lang="en-US" dirty="0" err="1" smtClean="0"/>
+              <a:rPr lang="en-US" dirty="0" err="1"/>
               <a:t>Reg</a:t>
             </a:r>
             <a:r>
-              <a:rPr lang="en-US" dirty="0" smtClean="0"/>
+              <a:rPr lang="en-US" dirty="0"/>
               <a:t> DB</a:t>
             </a:r>
           </a:p>
@@ -17028,11 +16887,11 @@
               <a:buChar char="ü"/>
             </a:pPr>
             <a:r>
-              <a:rPr lang="en-US" dirty="0" err="1" smtClean="0"/>
+              <a:rPr lang="en-US" dirty="0" err="1"/>
               <a:t>Produkt</a:t>
             </a:r>
             <a:r>
-              <a:rPr lang="en-US" dirty="0" smtClean="0"/>
+              <a:rPr lang="en-US" dirty="0"/>
               <a:t> DB</a:t>
             </a:r>
           </a:p>
@@ -17042,11 +16901,11 @@
               <a:buChar char="ü"/>
             </a:pPr>
             <a:r>
-              <a:rPr lang="en-US" dirty="0" err="1" smtClean="0"/>
+              <a:rPr lang="en-US" dirty="0" err="1"/>
               <a:t>Reperatie</a:t>
             </a:r>
             <a:r>
-              <a:rPr lang="en-US" dirty="0" smtClean="0"/>
+              <a:rPr lang="en-US" dirty="0"/>
               <a:t> DB</a:t>
             </a:r>
           </a:p>
@@ -18550,19 +18409,19 @@
           <a:lstStyle/>
           <a:p>
             <a:r>
-              <a:rPr lang="en-US" dirty="0" err="1" smtClean="0"/>
+              <a:rPr lang="en-US" dirty="0" err="1"/>
               <a:t>Wk</a:t>
             </a:r>
             <a:r>
-              <a:rPr lang="en-US" dirty="0" smtClean="0"/>
+              <a:rPr lang="en-US" dirty="0"/>
               <a:t> 5 </a:t>
             </a:r>
             <a:r>
-              <a:rPr lang="en-US" dirty="0" err="1" smtClean="0"/>
+              <a:rPr lang="en-US" dirty="0" err="1"/>
               <a:t>Opdracht</a:t>
             </a:r>
             <a:r>
-              <a:rPr lang="en-US" dirty="0" smtClean="0"/>
+              <a:rPr lang="en-US" dirty="0"/>
               <a:t> 1: De Planning</a:t>
             </a:r>
             <a:endParaRPr lang="nl-NL" dirty="0"/>
@@ -18587,7 +18446,7 @@
           <a:lstStyle/>
           <a:p>
             <a:r>
-              <a:rPr lang="en-US" sz="2400" dirty="0" smtClean="0"/>
+              <a:rPr lang="en-US" sz="2400" dirty="0"/>
               <a:t>De Planning</a:t>
             </a:r>
           </a:p>
@@ -18706,13 +18565,13 @@
             <a:endParaRPr lang="en-US" sz="2400" dirty="0"/>
           </a:p>
           <a:p>
-            <a:endParaRPr lang="en-US" sz="2400" dirty="0" smtClean="0"/>
-          </a:p>
-          <a:p>
             <a:endParaRPr lang="en-US" sz="2400" dirty="0"/>
           </a:p>
           <a:p>
-            <a:endParaRPr lang="en-US" sz="2400" dirty="0" smtClean="0"/>
+            <a:endParaRPr lang="en-US" sz="2400" dirty="0"/>
+          </a:p>
+          <a:p>
+            <a:endParaRPr lang="en-US" sz="2400" dirty="0"/>
           </a:p>
           <a:p>
             <a:pPr lvl="1"/>
@@ -18730,13 +18589,6 @@
   <p:clrMapOvr>
     <a:masterClrMapping/>
   </p:clrMapOvr>
-  <p:timing>
-    <p:tnLst>
-      <p:par>
-        <p:cTn id="1" dur="indefinite" restart="never" nodeType="tmRoot"/>
-      </p:par>
-    </p:tnLst>
-  </p:timing>
 </p:sld>
 </file>
 
@@ -18773,23 +18625,23 @@
           <a:lstStyle/>
           <a:p>
             <a:r>
-              <a:rPr lang="en-US" dirty="0" err="1" smtClean="0"/>
+              <a:rPr lang="en-US" dirty="0" err="1"/>
               <a:t>Wk</a:t>
             </a:r>
             <a:r>
-              <a:rPr lang="en-US" dirty="0" smtClean="0"/>
+              <a:rPr lang="en-US" dirty="0"/>
               <a:t> 5 </a:t>
             </a:r>
             <a:r>
-              <a:rPr lang="en-US" dirty="0" err="1" smtClean="0"/>
+              <a:rPr lang="en-US" dirty="0" err="1"/>
               <a:t>Opdracht</a:t>
             </a:r>
             <a:r>
-              <a:rPr lang="en-US" dirty="0" smtClean="0"/>
+              <a:rPr lang="en-US" dirty="0"/>
               <a:t> 2: De </a:t>
             </a:r>
             <a:r>
-              <a:rPr lang="en-US" dirty="0" err="1" smtClean="0"/>
+              <a:rPr lang="en-US" dirty="0" err="1"/>
               <a:t>Handleiding</a:t>
             </a:r>
             <a:endParaRPr lang="nl-NL" dirty="0"/>
@@ -18814,14 +18666,14 @@
           <a:lstStyle/>
           <a:p>
             <a:r>
-              <a:rPr lang="en-US" sz="2400" dirty="0" smtClean="0"/>
+              <a:rPr lang="en-US" sz="2400" dirty="0"/>
               <a:t>De </a:t>
             </a:r>
             <a:r>
-              <a:rPr lang="en-US" sz="2400" dirty="0" err="1" smtClean="0"/>
+              <a:rPr lang="en-US" sz="2400" dirty="0" err="1"/>
               <a:t>Handleiding</a:t>
             </a:r>
-            <a:endParaRPr lang="en-US" sz="2400" dirty="0" smtClean="0"/>
+            <a:endParaRPr lang="en-US" sz="2400" dirty="0"/>
           </a:p>
           <a:p>
             <a:endParaRPr lang="en-US" sz="2400" dirty="0"/>
@@ -18832,27 +18684,27 @@
               <a:buChar char="§"/>
             </a:pPr>
             <a:r>
-              <a:rPr lang="en-US" sz="2400" dirty="0" err="1" smtClean="0"/>
+              <a:rPr lang="en-US" sz="2400" dirty="0" err="1"/>
               <a:t>Maak</a:t>
             </a:r>
             <a:r>
-              <a:rPr lang="en-US" sz="2400" dirty="0" smtClean="0"/>
+              <a:rPr lang="en-US" sz="2400" dirty="0"/>
               <a:t> </a:t>
             </a:r>
             <a:r>
-              <a:rPr lang="en-US" sz="2400" dirty="0" err="1" smtClean="0"/>
+              <a:rPr lang="en-US" sz="2400" dirty="0" err="1"/>
               <a:t>een</a:t>
             </a:r>
             <a:r>
-              <a:rPr lang="en-US" sz="2400" dirty="0" smtClean="0"/>
+              <a:rPr lang="en-US" sz="2400" dirty="0"/>
               <a:t> </a:t>
             </a:r>
             <a:r>
-              <a:rPr lang="en-US" sz="2400" dirty="0" err="1" smtClean="0"/>
+              <a:rPr lang="en-US" sz="2400" dirty="0" err="1"/>
               <a:t>Handleiding</a:t>
             </a:r>
             <a:r>
-              <a:rPr lang="en-US" sz="2400" dirty="0" smtClean="0"/>
+              <a:rPr lang="en-US" sz="2400" dirty="0"/>
               <a:t> in Word</a:t>
             </a:r>
           </a:p>
@@ -18862,23 +18714,23 @@
               <a:buChar char="§"/>
             </a:pPr>
             <a:r>
-              <a:rPr lang="en-US" sz="2200" dirty="0" err="1" smtClean="0"/>
+              <a:rPr lang="en-US" sz="2200" dirty="0" err="1"/>
               <a:t>Voorblad</a:t>
             </a:r>
             <a:r>
-              <a:rPr lang="en-US" sz="2200" dirty="0" smtClean="0"/>
+              <a:rPr lang="en-US" sz="2200" dirty="0"/>
               <a:t>, </a:t>
             </a:r>
             <a:r>
-              <a:rPr lang="en-US" sz="2200" dirty="0" err="1" smtClean="0"/>
+              <a:rPr lang="en-US" sz="2200" dirty="0" err="1"/>
               <a:t>inhoud</a:t>
             </a:r>
             <a:r>
-              <a:rPr lang="en-US" sz="2200" dirty="0" smtClean="0"/>
+              <a:rPr lang="en-US" sz="2200" dirty="0"/>
               <a:t> </a:t>
             </a:r>
             <a:r>
-              <a:rPr lang="en-US" sz="2200" dirty="0" err="1" smtClean="0"/>
+              <a:rPr lang="en-US" sz="2200" dirty="0" err="1"/>
               <a:t>opgave</a:t>
             </a:r>
             <a:endParaRPr lang="en-US" sz="2200" dirty="0"/>
@@ -18889,31 +18741,31 @@
               <a:buChar char="§"/>
             </a:pPr>
             <a:r>
-              <a:rPr lang="en-US" sz="2400" dirty="0" smtClean="0"/>
+              <a:rPr lang="en-US" sz="2400" dirty="0"/>
               <a:t>Met </a:t>
             </a:r>
             <a:r>
-              <a:rPr lang="en-US" sz="2400" dirty="0" err="1" smtClean="0"/>
+              <a:rPr lang="en-US" sz="2400" dirty="0" err="1"/>
               <a:t>alle</a:t>
             </a:r>
             <a:r>
-              <a:rPr lang="en-US" sz="2400" dirty="0" smtClean="0"/>
+              <a:rPr lang="en-US" sz="2400" dirty="0"/>
               <a:t> document </a:t>
             </a:r>
             <a:r>
-              <a:rPr lang="en-US" sz="2400" dirty="0" err="1" smtClean="0"/>
+              <a:rPr lang="en-US" sz="2400" dirty="0" err="1"/>
               <a:t>vereisten</a:t>
             </a:r>
             <a:endParaRPr lang="en-US" sz="2400" dirty="0"/>
           </a:p>
           <a:p>
-            <a:endParaRPr lang="en-US" sz="2400" dirty="0" smtClean="0"/>
-          </a:p>
-          <a:p>
             <a:endParaRPr lang="en-US" sz="2400" dirty="0"/>
           </a:p>
           <a:p>
-            <a:endParaRPr lang="en-US" sz="2400" dirty="0" smtClean="0"/>
+            <a:endParaRPr lang="en-US" sz="2400" dirty="0"/>
+          </a:p>
+          <a:p>
+            <a:endParaRPr lang="en-US" sz="2400" dirty="0"/>
           </a:p>
           <a:p>
             <a:pPr lvl="1"/>
@@ -18931,13 +18783,6 @@
   <p:clrMapOvr>
     <a:masterClrMapping/>
   </p:clrMapOvr>
-  <p:timing>
-    <p:tnLst>
-      <p:par>
-        <p:cTn id="1" dur="indefinite" restart="never" nodeType="tmRoot"/>
-      </p:par>
-    </p:tnLst>
-  </p:timing>
 </p:sld>
 </file>
 
